--- a/ico-lakehouse-insights.pptx
+++ b/ico-lakehouse-insights.pptx
@@ -371,6 +371,38 @@
       </pc:sldChg>
     </pc:docChg>
   </pc:docChgLst>
+  <pc:docChgLst>
+    <pc:chgData name="Matteo Francia" userId="fbe833e6-b551-4418-a2a7-4d1023d25bd4" providerId="ADAL" clId="{733E9315-B5FE-4397-A4DD-0E049B408376}"/>
+    <pc:docChg chg="modSld">
+      <pc:chgData name="Matteo Francia" userId="fbe833e6-b551-4418-a2a7-4d1023d25bd4" providerId="ADAL" clId="{733E9315-B5FE-4397-A4DD-0E049B408376}" dt="2024-11-10T16:48:00.102" v="0" actId="12788"/>
+      <pc:docMkLst>
+        <pc:docMk/>
+      </pc:docMkLst>
+      <pc:sldChg chg="modSp mod">
+        <pc:chgData name="Matteo Francia" userId="fbe833e6-b551-4418-a2a7-4d1023d25bd4" providerId="ADAL" clId="{733E9315-B5FE-4397-A4DD-0E049B408376}" dt="2024-11-10T16:48:00.102" v="0" actId="12788"/>
+        <pc:sldMkLst>
+          <pc:docMk/>
+          <pc:sldMk cId="1859933603" sldId="298"/>
+        </pc:sldMkLst>
+        <pc:picChg chg="mod">
+          <ac:chgData name="Matteo Francia" userId="fbe833e6-b551-4418-a2a7-4d1023d25bd4" providerId="ADAL" clId="{733E9315-B5FE-4397-A4DD-0E049B408376}" dt="2024-11-10T16:48:00.102" v="0" actId="12788"/>
+          <ac:picMkLst>
+            <pc:docMk/>
+            <pc:sldMk cId="1859933603" sldId="298"/>
+            <ac:picMk id="5" creationId="{588AFD39-B56F-494D-9DCF-90E9BD7472E4}"/>
+          </ac:picMkLst>
+        </pc:picChg>
+        <pc:picChg chg="mod">
+          <ac:chgData name="Matteo Francia" userId="fbe833e6-b551-4418-a2a7-4d1023d25bd4" providerId="ADAL" clId="{733E9315-B5FE-4397-A4DD-0E049B408376}" dt="2024-11-10T16:48:00.102" v="0" actId="12788"/>
+          <ac:picMkLst>
+            <pc:docMk/>
+            <pc:sldMk cId="1859933603" sldId="298"/>
+            <ac:picMk id="7" creationId="{B0F432EC-8238-4A3C-860D-A1908B029072}"/>
+          </ac:picMkLst>
+        </pc:picChg>
+      </pc:sldChg>
+    </pc:docChg>
+  </pc:docChgLst>
 </pc:chgInfo>
 </file>
 
@@ -521,7 +553,7 @@
           <a:p>
             <a:fld id="{A93E8E34-E244-4B4B-99E1-1DDD3236757F}" type="datetimeFigureOut">
               <a:rPr lang="en-US" smtClean="0"/>
-              <a:t>2024-09-13</a:t>
+              <a:t>11/10/2024</a:t>
             </a:fld>
             <a:endParaRPr lang="en-US"/>
           </a:p>
@@ -719,7 +751,7 @@
           <a:p>
             <a:fld id="{A93E8E34-E244-4B4B-99E1-1DDD3236757F}" type="datetimeFigureOut">
               <a:rPr lang="en-US" smtClean="0"/>
-              <a:t>2024-09-13</a:t>
+              <a:t>11/10/2024</a:t>
             </a:fld>
             <a:endParaRPr lang="en-US"/>
           </a:p>
@@ -927,7 +959,7 @@
           <a:p>
             <a:fld id="{A93E8E34-E244-4B4B-99E1-1DDD3236757F}" type="datetimeFigureOut">
               <a:rPr lang="en-US" smtClean="0"/>
-              <a:t>2024-09-13</a:t>
+              <a:t>11/10/2024</a:t>
             </a:fld>
             <a:endParaRPr lang="en-US"/>
           </a:p>
@@ -1125,7 +1157,7 @@
           <a:p>
             <a:fld id="{A93E8E34-E244-4B4B-99E1-1DDD3236757F}" type="datetimeFigureOut">
               <a:rPr lang="en-US" smtClean="0"/>
-              <a:t>2024-09-13</a:t>
+              <a:t>11/10/2024</a:t>
             </a:fld>
             <a:endParaRPr lang="en-US"/>
           </a:p>
@@ -1400,7 +1432,7 @@
           <a:p>
             <a:fld id="{A93E8E34-E244-4B4B-99E1-1DDD3236757F}" type="datetimeFigureOut">
               <a:rPr lang="en-US" smtClean="0"/>
-              <a:t>2024-09-13</a:t>
+              <a:t>11/10/2024</a:t>
             </a:fld>
             <a:endParaRPr lang="en-US"/>
           </a:p>
@@ -1665,7 +1697,7 @@
           <a:p>
             <a:fld id="{A93E8E34-E244-4B4B-99E1-1DDD3236757F}" type="datetimeFigureOut">
               <a:rPr lang="en-US" smtClean="0"/>
-              <a:t>2024-09-13</a:t>
+              <a:t>11/10/2024</a:t>
             </a:fld>
             <a:endParaRPr lang="en-US"/>
           </a:p>
@@ -2077,7 +2109,7 @@
           <a:p>
             <a:fld id="{A93E8E34-E244-4B4B-99E1-1DDD3236757F}" type="datetimeFigureOut">
               <a:rPr lang="en-US" smtClean="0"/>
-              <a:t>2024-09-13</a:t>
+              <a:t>11/10/2024</a:t>
             </a:fld>
             <a:endParaRPr lang="en-US"/>
           </a:p>
@@ -2218,7 +2250,7 @@
           <a:p>
             <a:fld id="{A93E8E34-E244-4B4B-99E1-1DDD3236757F}" type="datetimeFigureOut">
               <a:rPr lang="en-US" smtClean="0"/>
-              <a:t>2024-09-13</a:t>
+              <a:t>11/10/2024</a:t>
             </a:fld>
             <a:endParaRPr lang="en-US"/>
           </a:p>
@@ -2331,7 +2363,7 @@
           <a:p>
             <a:fld id="{A93E8E34-E244-4B4B-99E1-1DDD3236757F}" type="datetimeFigureOut">
               <a:rPr lang="en-US" smtClean="0"/>
-              <a:t>2024-09-13</a:t>
+              <a:t>11/10/2024</a:t>
             </a:fld>
             <a:endParaRPr lang="en-US"/>
           </a:p>
@@ -2642,7 +2674,7 @@
           <a:p>
             <a:fld id="{A93E8E34-E244-4B4B-99E1-1DDD3236757F}" type="datetimeFigureOut">
               <a:rPr lang="en-US" smtClean="0"/>
-              <a:t>2024-09-13</a:t>
+              <a:t>11/10/2024</a:t>
             </a:fld>
             <a:endParaRPr lang="en-US"/>
           </a:p>
@@ -2930,7 +2962,7 @@
           <a:p>
             <a:fld id="{A93E8E34-E244-4B4B-99E1-1DDD3236757F}" type="datetimeFigureOut">
               <a:rPr lang="en-US" smtClean="0"/>
-              <a:t>2024-09-13</a:t>
+              <a:t>11/10/2024</a:t>
             </a:fld>
             <a:endParaRPr lang="en-US"/>
           </a:p>
@@ -3171,7 +3203,7 @@
           <a:p>
             <a:fld id="{A93E8E34-E244-4B4B-99E1-1DDD3236757F}" type="datetimeFigureOut">
               <a:rPr lang="en-US" smtClean="0"/>
-              <a:t>2024-09-13</a:t>
+              <a:t>11/10/2024</a:t>
             </a:fld>
             <a:endParaRPr lang="en-US"/>
           </a:p>
